--- a/Output/sensitivity survival.pptx
+++ b/Output/sensitivity survival.pptx
@@ -208,7 +208,7 @@
           <a:p>
             <a:fld id="{F43C05AD-A5B8-9747-9713-DE489BB5CEBB}" type="datetimeFigureOut">
               <a:rPr lang="en-US" smtClean="0"/>
-              <a:t>3/16/24</a:t>
+              <a:t>3/19/24</a:t>
             </a:fld>
             <a:endParaRPr lang="en-US"/>
           </a:p>
@@ -695,7 +695,7 @@
           <a:p>
             <a:fld id="{BB4D90AF-76CF-854C-865F-96355B117E90}" type="datetimeFigureOut">
               <a:rPr lang="en-US" smtClean="0"/>
-              <a:t>3/16/24</a:t>
+              <a:t>3/19/24</a:t>
             </a:fld>
             <a:endParaRPr lang="en-US"/>
           </a:p>
@@ -865,7 +865,7 @@
           <a:p>
             <a:fld id="{BB4D90AF-76CF-854C-865F-96355B117E90}" type="datetimeFigureOut">
               <a:rPr lang="en-US" smtClean="0"/>
-              <a:t>3/16/24</a:t>
+              <a:t>3/19/24</a:t>
             </a:fld>
             <a:endParaRPr lang="en-US"/>
           </a:p>
@@ -1045,7 +1045,7 @@
           <a:p>
             <a:fld id="{BB4D90AF-76CF-854C-865F-96355B117E90}" type="datetimeFigureOut">
               <a:rPr lang="en-US" smtClean="0"/>
-              <a:t>3/16/24</a:t>
+              <a:t>3/19/24</a:t>
             </a:fld>
             <a:endParaRPr lang="en-US"/>
           </a:p>
@@ -1215,7 +1215,7 @@
           <a:p>
             <a:fld id="{BB4D90AF-76CF-854C-865F-96355B117E90}" type="datetimeFigureOut">
               <a:rPr lang="en-US" smtClean="0"/>
-              <a:t>3/16/24</a:t>
+              <a:t>3/19/24</a:t>
             </a:fld>
             <a:endParaRPr lang="en-US"/>
           </a:p>
@@ -1459,7 +1459,7 @@
           <a:p>
             <a:fld id="{BB4D90AF-76CF-854C-865F-96355B117E90}" type="datetimeFigureOut">
               <a:rPr lang="en-US" smtClean="0"/>
-              <a:t>3/16/24</a:t>
+              <a:t>3/19/24</a:t>
             </a:fld>
             <a:endParaRPr lang="en-US"/>
           </a:p>
@@ -1691,7 +1691,7 @@
           <a:p>
             <a:fld id="{BB4D90AF-76CF-854C-865F-96355B117E90}" type="datetimeFigureOut">
               <a:rPr lang="en-US" smtClean="0"/>
-              <a:t>3/16/24</a:t>
+              <a:t>3/19/24</a:t>
             </a:fld>
             <a:endParaRPr lang="en-US"/>
           </a:p>
@@ -2058,7 +2058,7 @@
           <a:p>
             <a:fld id="{BB4D90AF-76CF-854C-865F-96355B117E90}" type="datetimeFigureOut">
               <a:rPr lang="en-US" smtClean="0"/>
-              <a:t>3/16/24</a:t>
+              <a:t>3/19/24</a:t>
             </a:fld>
             <a:endParaRPr lang="en-US"/>
           </a:p>
@@ -2176,7 +2176,7 @@
           <a:p>
             <a:fld id="{BB4D90AF-76CF-854C-865F-96355B117E90}" type="datetimeFigureOut">
               <a:rPr lang="en-US" smtClean="0"/>
-              <a:t>3/16/24</a:t>
+              <a:t>3/19/24</a:t>
             </a:fld>
             <a:endParaRPr lang="en-US"/>
           </a:p>
@@ -2271,7 +2271,7 @@
           <a:p>
             <a:fld id="{BB4D90AF-76CF-854C-865F-96355B117E90}" type="datetimeFigureOut">
               <a:rPr lang="en-US" smtClean="0"/>
-              <a:t>3/16/24</a:t>
+              <a:t>3/19/24</a:t>
             </a:fld>
             <a:endParaRPr lang="en-US"/>
           </a:p>
@@ -2548,7 +2548,7 @@
           <a:p>
             <a:fld id="{BB4D90AF-76CF-854C-865F-96355B117E90}" type="datetimeFigureOut">
               <a:rPr lang="en-US" smtClean="0"/>
-              <a:t>3/16/24</a:t>
+              <a:t>3/19/24</a:t>
             </a:fld>
             <a:endParaRPr lang="en-US"/>
           </a:p>
@@ -2805,7 +2805,7 @@
           <a:p>
             <a:fld id="{BB4D90AF-76CF-854C-865F-96355B117E90}" type="datetimeFigureOut">
               <a:rPr lang="en-US" smtClean="0"/>
-              <a:t>3/16/24</a:t>
+              <a:t>3/19/24</a:t>
             </a:fld>
             <a:endParaRPr lang="en-US"/>
           </a:p>
@@ -3018,7 +3018,7 @@
           <a:p>
             <a:fld id="{BB4D90AF-76CF-854C-865F-96355B117E90}" type="datetimeFigureOut">
               <a:rPr lang="en-US" smtClean="0"/>
-              <a:t>3/16/24</a:t>
+              <a:t>3/19/24</a:t>
             </a:fld>
             <a:endParaRPr lang="en-US"/>
           </a:p>
@@ -3437,7 +3437,7 @@
         </p:nvSpPr>
         <p:spPr>
           <a:xfrm>
-            <a:off x="4111847" y="8201861"/>
+            <a:off x="4388941" y="8201861"/>
             <a:ext cx="2247794" cy="230832"/>
           </a:xfrm>
           <a:prstGeom prst="rect">
@@ -3476,10 +3476,10 @@
         </p:nvGrpSpPr>
         <p:grpSpPr>
           <a:xfrm>
-            <a:off x="730195" y="52652"/>
-            <a:ext cx="2617417" cy="382590"/>
+            <a:off x="1007289" y="52652"/>
+            <a:ext cx="2783901" cy="382590"/>
             <a:chOff x="246519" y="3276513"/>
-            <a:chExt cx="2617417" cy="382590"/>
+            <a:chExt cx="2783901" cy="382590"/>
           </a:xfrm>
         </p:grpSpPr>
         <p:sp>
@@ -3497,7 +3497,7 @@
           <p:spPr>
             <a:xfrm>
               <a:off x="246519" y="3276513"/>
-              <a:ext cx="2534923" cy="215444"/>
+              <a:ext cx="2783901" cy="215444"/>
             </a:xfrm>
             <a:prstGeom prst="rect">
               <a:avLst/>
@@ -3515,7 +3515,7 @@
                   <a:latin typeface="Arial" panose="020B0604020202020204" pitchFamily="34" charset="0"/>
                   <a:cs typeface="Arial" panose="020B0604020202020204" pitchFamily="34" charset="0"/>
                 </a:rPr>
-                <a:t>probability of unloading each container at each port</a:t>
+                <a:t>probability of surviving in a container between each port</a:t>
               </a:r>
             </a:p>
           </p:txBody>
@@ -4201,7 +4201,7 @@
         </p:nvSpPr>
         <p:spPr>
           <a:xfrm rot="16200000">
-            <a:off x="2823" y="6942872"/>
+            <a:off x="279917" y="6942872"/>
             <a:ext cx="1812550" cy="369332"/>
           </a:xfrm>
           <a:prstGeom prst="rect">
@@ -4240,7 +4240,7 @@
         </p:nvSpPr>
         <p:spPr>
           <a:xfrm>
-            <a:off x="1219692" y="8240767"/>
+            <a:off x="1496786" y="8240767"/>
             <a:ext cx="2247794" cy="369332"/>
           </a:xfrm>
           <a:prstGeom prst="rect">
@@ -4279,7 +4279,7 @@
         </p:nvGrpSpPr>
         <p:grpSpPr>
           <a:xfrm>
-            <a:off x="3540485" y="50431"/>
+            <a:off x="3817579" y="50431"/>
             <a:ext cx="3138460" cy="381985"/>
             <a:chOff x="3897177" y="3288766"/>
             <a:chExt cx="3138460" cy="381985"/>
@@ -5023,7 +5023,7 @@
         </p:blipFill>
         <p:spPr>
           <a:xfrm>
-            <a:off x="1037492" y="566967"/>
+            <a:off x="1314586" y="566967"/>
             <a:ext cx="2568594" cy="1955409"/>
           </a:xfrm>
           <a:prstGeom prst="rect">
@@ -5052,7 +5052,7 @@
         </p:blipFill>
         <p:spPr>
           <a:xfrm>
-            <a:off x="1037492" y="2409835"/>
+            <a:off x="1314586" y="2409835"/>
             <a:ext cx="2568594" cy="1971868"/>
           </a:xfrm>
           <a:prstGeom prst="rect">
@@ -5081,7 +5081,7 @@
         </p:blipFill>
         <p:spPr>
           <a:xfrm>
-            <a:off x="1037492" y="4310716"/>
+            <a:off x="1314586" y="4310716"/>
             <a:ext cx="2568594" cy="1816023"/>
           </a:xfrm>
           <a:prstGeom prst="rect">
@@ -5110,7 +5110,7 @@
         </p:blipFill>
         <p:spPr>
           <a:xfrm>
-            <a:off x="1069985" y="6213347"/>
+            <a:off x="1347079" y="6213347"/>
             <a:ext cx="2536101" cy="2073266"/>
           </a:xfrm>
           <a:prstGeom prst="rect">
@@ -5139,7 +5139,7 @@
         </p:blipFill>
         <p:spPr>
           <a:xfrm>
-            <a:off x="3940755" y="531468"/>
+            <a:off x="4217849" y="531468"/>
             <a:ext cx="2568594" cy="1990908"/>
           </a:xfrm>
           <a:prstGeom prst="rect">
@@ -5168,7 +5168,7 @@
         </p:blipFill>
         <p:spPr>
           <a:xfrm>
-            <a:off x="3940755" y="2409835"/>
+            <a:off x="4217849" y="2409835"/>
             <a:ext cx="2568594" cy="1949354"/>
           </a:xfrm>
           <a:prstGeom prst="rect">
@@ -5197,7 +5197,7 @@
         </p:blipFill>
         <p:spPr>
           <a:xfrm>
-            <a:off x="3973248" y="4291676"/>
+            <a:off x="4250342" y="4291676"/>
             <a:ext cx="2536101" cy="1945880"/>
           </a:xfrm>
           <a:prstGeom prst="rect">
@@ -5226,7 +5226,7 @@
         </p:blipFill>
         <p:spPr>
           <a:xfrm>
-            <a:off x="3922609" y="6128489"/>
+            <a:off x="4199703" y="6128489"/>
             <a:ext cx="2586740" cy="2158124"/>
           </a:xfrm>
           <a:prstGeom prst="rect">
@@ -5248,7 +5248,7 @@
         </p:nvSpPr>
         <p:spPr>
           <a:xfrm rot="16200000">
-            <a:off x="2823" y="5081916"/>
+            <a:off x="279917" y="5081916"/>
             <a:ext cx="1812550" cy="369332"/>
           </a:xfrm>
           <a:prstGeom prst="rect">
@@ -5287,7 +5287,7 @@
         </p:nvSpPr>
         <p:spPr>
           <a:xfrm rot="16200000">
-            <a:off x="2824" y="1360005"/>
+            <a:off x="279918" y="1360005"/>
             <a:ext cx="1812550" cy="369332"/>
           </a:xfrm>
           <a:prstGeom prst="rect">
@@ -5326,7 +5326,7 @@
         </p:nvSpPr>
         <p:spPr>
           <a:xfrm rot="16200000">
-            <a:off x="2823" y="3220961"/>
+            <a:off x="279917" y="3220961"/>
             <a:ext cx="1812550" cy="369332"/>
           </a:xfrm>
           <a:prstGeom prst="rect">
@@ -5365,7 +5365,7 @@
         </p:nvSpPr>
         <p:spPr>
           <a:xfrm rot="16200000">
-            <a:off x="2818877" y="6941686"/>
+            <a:off x="3095971" y="6941686"/>
             <a:ext cx="1812550" cy="369332"/>
           </a:xfrm>
           <a:prstGeom prst="rect">
@@ -5404,7 +5404,7 @@
         </p:nvSpPr>
         <p:spPr>
           <a:xfrm rot="16200000">
-            <a:off x="2818877" y="5080730"/>
+            <a:off x="3095971" y="5080730"/>
             <a:ext cx="1812550" cy="369332"/>
           </a:xfrm>
           <a:prstGeom prst="rect">
@@ -5443,7 +5443,7 @@
         </p:nvSpPr>
         <p:spPr>
           <a:xfrm rot="16200000">
-            <a:off x="2818878" y="1358819"/>
+            <a:off x="3095972" y="1358819"/>
             <a:ext cx="1812550" cy="369332"/>
           </a:xfrm>
           <a:prstGeom prst="rect">
@@ -5482,7 +5482,7 @@
         </p:nvSpPr>
         <p:spPr>
           <a:xfrm rot="16200000">
-            <a:off x="2818877" y="3219775"/>
+            <a:off x="3095971" y="3219775"/>
             <a:ext cx="1812550" cy="369332"/>
           </a:xfrm>
           <a:prstGeom prst="rect">
@@ -5521,7 +5521,7 @@
         </p:nvSpPr>
         <p:spPr>
           <a:xfrm rot="16200000">
-            <a:off x="-469895" y="1360005"/>
+            <a:off x="-192801" y="1360005"/>
             <a:ext cx="1586562" cy="369332"/>
           </a:xfrm>
           <a:prstGeom prst="rect">
@@ -5560,7 +5560,7 @@
         </p:nvSpPr>
         <p:spPr>
           <a:xfrm rot="16200000">
-            <a:off x="-469896" y="3220961"/>
+            <a:off x="-192802" y="3220961"/>
             <a:ext cx="1586562" cy="369332"/>
           </a:xfrm>
           <a:prstGeom prst="rect">
@@ -5599,7 +5599,7 @@
         </p:nvSpPr>
         <p:spPr>
           <a:xfrm rot="16200000">
-            <a:off x="-469896" y="5081916"/>
+            <a:off x="-192802" y="5081916"/>
             <a:ext cx="1586562" cy="369332"/>
           </a:xfrm>
           <a:prstGeom prst="rect">
@@ -5638,7 +5638,7 @@
         </p:nvSpPr>
         <p:spPr>
           <a:xfrm rot="16200000">
-            <a:off x="-469896" y="6942872"/>
+            <a:off x="-192802" y="6942872"/>
             <a:ext cx="1586562" cy="369332"/>
           </a:xfrm>
           <a:prstGeom prst="rect">
@@ -5677,7 +5677,7 @@
         </p:nvSpPr>
         <p:spPr>
           <a:xfrm>
-            <a:off x="3072013" y="712454"/>
+            <a:off x="3349107" y="712454"/>
             <a:ext cx="601998" cy="253916"/>
           </a:xfrm>
           <a:prstGeom prst="rect">
@@ -5715,7 +5715,7 @@
         </p:nvSpPr>
         <p:spPr>
           <a:xfrm>
-            <a:off x="5988769" y="716044"/>
+            <a:off x="6265863" y="716044"/>
             <a:ext cx="601998" cy="253916"/>
           </a:xfrm>
           <a:prstGeom prst="rect">
@@ -5753,7 +5753,7 @@
         </p:nvSpPr>
         <p:spPr>
           <a:xfrm>
-            <a:off x="3072013" y="2573730"/>
+            <a:off x="3349107" y="2573730"/>
             <a:ext cx="601998" cy="253916"/>
           </a:xfrm>
           <a:prstGeom prst="rect">
@@ -5791,7 +5791,7 @@
         </p:nvSpPr>
         <p:spPr>
           <a:xfrm>
-            <a:off x="5988769" y="2577320"/>
+            <a:off x="6265863" y="2577320"/>
             <a:ext cx="601998" cy="253916"/>
           </a:xfrm>
           <a:prstGeom prst="rect">
@@ -5829,7 +5829,7 @@
         </p:nvSpPr>
         <p:spPr>
           <a:xfrm>
-            <a:off x="3072013" y="4435006"/>
+            <a:off x="3349107" y="4435006"/>
             <a:ext cx="601998" cy="253916"/>
           </a:xfrm>
           <a:prstGeom prst="rect">
@@ -5867,7 +5867,7 @@
         </p:nvSpPr>
         <p:spPr>
           <a:xfrm>
-            <a:off x="5988769" y="4438596"/>
+            <a:off x="6265863" y="4438596"/>
             <a:ext cx="601998" cy="253916"/>
           </a:xfrm>
           <a:prstGeom prst="rect">
@@ -5905,7 +5905,7 @@
         </p:nvSpPr>
         <p:spPr>
           <a:xfrm>
-            <a:off x="3072013" y="6296282"/>
+            <a:off x="3349107" y="6296282"/>
             <a:ext cx="601998" cy="253916"/>
           </a:xfrm>
           <a:prstGeom prst="rect">
@@ -5943,7 +5943,7 @@
         </p:nvSpPr>
         <p:spPr>
           <a:xfrm>
-            <a:off x="5988769" y="6299872"/>
+            <a:off x="6265863" y="6299872"/>
             <a:ext cx="601998" cy="253916"/>
           </a:xfrm>
           <a:prstGeom prst="rect">
